--- a/spring13/slides13/microquiz-apr22.pptx
+++ b/spring13/slides13/microquiz-apr22.pptx
@@ -3347,7 +3347,7 @@
               <a:t> Southward miles, </a:t>
             </a:r>
             <a:r>
-              <a:rPr lang="en-US" sz="3200" dirty="0" smtClean="0">
+              <a:rPr lang="en-US" sz="3200" smtClean="0">
                 <a:solidFill>
                   <a:srgbClr val="0000FF"/>
                 </a:solidFill>
@@ -3356,10 +3356,16 @@
               <a:t>5</a:t>
             </a:r>
             <a:r>
+              <a:rPr lang="en-US" sz="3200" smtClean="0">
+                <a:latin typeface="Comic Sans MS" pitchFamily="66" charset="0"/>
+              </a:rPr>
+              <a:t> Eastward </a:t>
+            </a:r>
+            <a:r>
               <a:rPr lang="en-US" sz="3200" dirty="0" smtClean="0">
                 <a:latin typeface="Comic Sans MS" pitchFamily="66" charset="0"/>
               </a:rPr>
-              <a:t> East ward miles and </a:t>
+              <a:t>miles and </a:t>
             </a:r>
             <a:r>
               <a:rPr lang="en-US" sz="3200" dirty="0" smtClean="0">
